--- a/Presentation/Efficient application development using Qt.pptx
+++ b/Presentation/Efficient application development using Qt.pptx
@@ -13,6 +13,7 @@
     <p:sldId id="260" r:id="rId7"/>
     <p:sldId id="263" r:id="rId8"/>
     <p:sldId id="266" r:id="rId9"/>
+    <p:sldId id="267" r:id="rId10"/>
   </p:sldIdLst>
   <p:sldSz cx="12192000" cy="6858000"/>
   <p:notesSz cx="6858000" cy="9144000"/>
@@ -4732,6 +4733,136 @@
     <a:masterClrMapping/>
   </p:clrMapOvr>
   <p:transition/>
+  <p:timing>
+    <p:tnLst>
+      <p:par>
+        <p:cTn id="1" dur="indefinite" restart="never" nodeType="tmRoot"/>
+      </p:par>
+    </p:tnLst>
+  </p:timing>
+</p:sld>
+</file>
+
+<file path=ppt/slides/slide9.xml><?xml version="1.0" encoding="utf-8"?>
+<p:sld xmlns:a="http://schemas.openxmlformats.org/drawingml/2006/main" xmlns:r="http://schemas.openxmlformats.org/officeDocument/2006/relationships" xmlns:p="http://schemas.openxmlformats.org/presentationml/2006/main">
+  <p:cSld>
+    <p:spTree>
+      <p:nvGrpSpPr>
+        <p:cNvPr id="1" name=""/>
+        <p:cNvGrpSpPr/>
+        <p:nvPr/>
+      </p:nvGrpSpPr>
+      <p:grpSpPr>
+        <a:xfrm>
+          <a:off x="0" y="0"/>
+          <a:ext cx="0" cy="0"/>
+          <a:chOff x="0" y="0"/>
+          <a:chExt cx="0" cy="0"/>
+        </a:xfrm>
+      </p:grpSpPr>
+      <p:sp>
+        <p:nvSpPr>
+          <p:cNvPr id="2" name="Title 1"/>
+          <p:cNvSpPr>
+            <a:spLocks noGrp="1"/>
+          </p:cNvSpPr>
+          <p:nvPr>
+            <p:ph type="title"/>
+          </p:nvPr>
+        </p:nvSpPr>
+        <p:spPr/>
+        <p:txBody>
+          <a:bodyPr/>
+          <a:lstStyle/>
+          <a:p>
+            <a:r>
+              <a:rPr lang="nb-NO" dirty="0" smtClean="0"/>
+              <a:t>References</a:t>
+            </a:r>
+            <a:endParaRPr lang="en-US" dirty="0"/>
+          </a:p>
+        </p:txBody>
+      </p:sp>
+      <p:sp>
+        <p:nvSpPr>
+          <p:cNvPr id="3" name="Content Placeholder 2"/>
+          <p:cNvSpPr>
+            <a:spLocks noGrp="1"/>
+          </p:cNvSpPr>
+          <p:nvPr>
+            <p:ph idx="1"/>
+          </p:nvPr>
+        </p:nvSpPr>
+        <p:spPr/>
+        <p:txBody>
+          <a:bodyPr/>
+          <a:lstStyle/>
+          <a:p>
+            <a:r>
+              <a:rPr lang="en-US" dirty="0">
+                <a:hlinkClick r:id="rId2"/>
+              </a:rPr>
+              <a:t>https://</a:t>
+            </a:r>
+            <a:r>
+              <a:rPr lang="en-US" dirty="0" smtClean="0">
+                <a:hlinkClick r:id="rId2"/>
+              </a:rPr>
+              <a:t>github.com/magnesj/DemoImageApplication</a:t>
+            </a:r>
+            <a:endParaRPr lang="en-US" dirty="0" smtClean="0"/>
+          </a:p>
+          <a:p>
+            <a:endParaRPr lang="nb-NO" dirty="0" smtClean="0">
+              <a:hlinkClick r:id="rId3"/>
+            </a:endParaRPr>
+          </a:p>
+          <a:p>
+            <a:endParaRPr lang="nb-NO" dirty="0" smtClean="0"/>
+          </a:p>
+          <a:p>
+            <a:r>
+              <a:rPr lang="nb-NO" dirty="0" smtClean="0"/>
+              <a:t>ResInsight</a:t>
+            </a:r>
+          </a:p>
+          <a:p>
+            <a:pPr lvl="1"/>
+            <a:r>
+              <a:rPr lang="nb-NO" dirty="0" smtClean="0"/>
+              <a:t>Visualization and interpretation tool for large reservoir models</a:t>
+            </a:r>
+            <a:br>
+              <a:rPr lang="nb-NO" dirty="0" smtClean="0"/>
+            </a:br>
+            <a:r>
+              <a:rPr lang="en-US" dirty="0" smtClean="0">
+                <a:hlinkClick r:id="rId3"/>
+              </a:rPr>
+              <a:t>http://resinsight.org/</a:t>
+            </a:r>
+            <a:endParaRPr lang="en-US" dirty="0" smtClean="0"/>
+          </a:p>
+        </p:txBody>
+      </p:sp>
+    </p:spTree>
+    <p:extLst>
+      <p:ext uri="{BB962C8B-B14F-4D97-AF65-F5344CB8AC3E}">
+        <p14:creationId xmlns:p14="http://schemas.microsoft.com/office/powerpoint/2010/main" val="966690848"/>
+      </p:ext>
+    </p:extLst>
+  </p:cSld>
+  <p:clrMapOvr>
+    <a:masterClrMapping/>
+  </p:clrMapOvr>
+  <p:transition/>
+  <p:timing>
+    <p:tnLst>
+      <p:par>
+        <p:cTn id="1" dur="indefinite" restart="never" nodeType="tmRoot"/>
+      </p:par>
+    </p:tnLst>
+  </p:timing>
 </p:sld>
 </file>
 

--- a/Presentation/Efficient application development using Qt.pptx
+++ b/Presentation/Efficient application development using Qt.pptx
@@ -14,6 +14,7 @@
     <p:sldId id="263" r:id="rId8"/>
     <p:sldId id="266" r:id="rId9"/>
     <p:sldId id="267" r:id="rId10"/>
+    <p:sldId id="268" r:id="rId11"/>
   </p:sldIdLst>
   <p:sldSz cx="12192000" cy="6858000"/>
   <p:notesSz cx="6858000" cy="9144000"/>
@@ -251,7 +252,7 @@
           <a:p>
             <a:fld id="{698880EF-0864-4369-A2DE-47ED1B633660}" type="datetimeFigureOut">
               <a:rPr lang="en-US" smtClean="0"/>
-              <a:t>2/24/2015</a:t>
+              <a:t>2/25/2015</a:t>
             </a:fld>
             <a:endParaRPr lang="en-US"/>
           </a:p>
@@ -441,7 +442,7 @@
           <a:p>
             <a:fld id="{698880EF-0864-4369-A2DE-47ED1B633660}" type="datetimeFigureOut">
               <a:rPr lang="en-US" smtClean="0"/>
-              <a:t>2/24/2015</a:t>
+              <a:t>2/25/2015</a:t>
             </a:fld>
             <a:endParaRPr lang="en-US"/>
           </a:p>
@@ -641,7 +642,7 @@
           <a:p>
             <a:fld id="{698880EF-0864-4369-A2DE-47ED1B633660}" type="datetimeFigureOut">
               <a:rPr lang="en-US" smtClean="0"/>
-              <a:t>2/24/2015</a:t>
+              <a:t>2/25/2015</a:t>
             </a:fld>
             <a:endParaRPr lang="en-US"/>
           </a:p>
@@ -835,7 +836,7 @@
           <a:p>
             <a:fld id="{698880EF-0864-4369-A2DE-47ED1B633660}" type="datetimeFigureOut">
               <a:rPr lang="en-US" smtClean="0"/>
-              <a:t>2/24/2015</a:t>
+              <a:t>2/25/2015</a:t>
             </a:fld>
             <a:endParaRPr lang="en-US"/>
           </a:p>
@@ -1047,7 +1048,7 @@
           <a:p>
             <a:fld id="{698880EF-0864-4369-A2DE-47ED1B633660}" type="datetimeFigureOut">
               <a:rPr lang="en-US" smtClean="0"/>
-              <a:t>2/24/2015</a:t>
+              <a:t>2/25/2015</a:t>
             </a:fld>
             <a:endParaRPr lang="en-US"/>
           </a:p>
@@ -1355,7 +1356,7 @@
           <a:p>
             <a:fld id="{698880EF-0864-4369-A2DE-47ED1B633660}" type="datetimeFigureOut">
               <a:rPr lang="en-US" smtClean="0"/>
-              <a:t>2/24/2015</a:t>
+              <a:t>2/25/2015</a:t>
             </a:fld>
             <a:endParaRPr lang="en-US"/>
           </a:p>
@@ -1802,7 +1803,7 @@
           <a:p>
             <a:fld id="{698880EF-0864-4369-A2DE-47ED1B633660}" type="datetimeFigureOut">
               <a:rPr lang="en-US" smtClean="0"/>
-              <a:t>2/24/2015</a:t>
+              <a:t>2/25/2015</a:t>
             </a:fld>
             <a:endParaRPr lang="en-US"/>
           </a:p>
@@ -1940,7 +1941,7 @@
           <a:p>
             <a:fld id="{698880EF-0864-4369-A2DE-47ED1B633660}" type="datetimeFigureOut">
               <a:rPr lang="en-US" smtClean="0"/>
-              <a:t>2/24/2015</a:t>
+              <a:t>2/25/2015</a:t>
             </a:fld>
             <a:endParaRPr lang="en-US"/>
           </a:p>
@@ -2055,7 +2056,7 @@
           <a:p>
             <a:fld id="{698880EF-0864-4369-A2DE-47ED1B633660}" type="datetimeFigureOut">
               <a:rPr lang="en-US" smtClean="0"/>
-              <a:t>2/24/2015</a:t>
+              <a:t>2/25/2015</a:t>
             </a:fld>
             <a:endParaRPr lang="en-US"/>
           </a:p>
@@ -2352,7 +2353,7 @@
           <a:p>
             <a:fld id="{698880EF-0864-4369-A2DE-47ED1B633660}" type="datetimeFigureOut">
               <a:rPr lang="en-US" smtClean="0"/>
-              <a:t>2/24/2015</a:t>
+              <a:t>2/25/2015</a:t>
             </a:fld>
             <a:endParaRPr lang="en-US"/>
           </a:p>
@@ -2629,7 +2630,7 @@
           <a:p>
             <a:fld id="{698880EF-0864-4369-A2DE-47ED1B633660}" type="datetimeFigureOut">
               <a:rPr lang="en-US" smtClean="0"/>
-              <a:t>2/24/2015</a:t>
+              <a:t>2/25/2015</a:t>
             </a:fld>
             <a:endParaRPr lang="en-US"/>
           </a:p>
@@ -2890,7 +2891,7 @@
           <a:p>
             <a:fld id="{698880EF-0864-4369-A2DE-47ED1B633660}" type="datetimeFigureOut">
               <a:rPr lang="en-US" smtClean="0"/>
-              <a:t>2/24/2015</a:t>
+              <a:t>2/25/2015</a:t>
             </a:fld>
             <a:endParaRPr lang="en-US"/>
           </a:p>
@@ -3538,6 +3539,114 @@
 </p:sld>
 </file>
 
+<file path=ppt/slides/slide10.xml><?xml version="1.0" encoding="utf-8"?>
+<p:sld xmlns:a="http://schemas.openxmlformats.org/drawingml/2006/main" xmlns:r="http://schemas.openxmlformats.org/officeDocument/2006/relationships" xmlns:p="http://schemas.openxmlformats.org/presentationml/2006/main">
+  <p:cSld>
+    <p:spTree>
+      <p:nvGrpSpPr>
+        <p:cNvPr id="1" name=""/>
+        <p:cNvGrpSpPr/>
+        <p:nvPr/>
+      </p:nvGrpSpPr>
+      <p:grpSpPr>
+        <a:xfrm>
+          <a:off x="0" y="0"/>
+          <a:ext cx="0" cy="0"/>
+          <a:chOff x="0" y="0"/>
+          <a:chExt cx="0" cy="0"/>
+        </a:xfrm>
+      </p:grpSpPr>
+      <p:sp>
+        <p:nvSpPr>
+          <p:cNvPr id="2" name="Title 1"/>
+          <p:cNvSpPr>
+            <a:spLocks noGrp="1"/>
+          </p:cNvSpPr>
+          <p:nvPr>
+            <p:ph type="title"/>
+          </p:nvPr>
+        </p:nvSpPr>
+        <p:spPr/>
+        <p:txBody>
+          <a:bodyPr/>
+          <a:lstStyle/>
+          <a:p>
+            <a:r>
+              <a:rPr lang="nb-NO" dirty="0" smtClean="0"/>
+              <a:t>Demonstration</a:t>
+            </a:r>
+            <a:endParaRPr lang="en-US" dirty="0"/>
+          </a:p>
+        </p:txBody>
+      </p:sp>
+      <p:sp>
+        <p:nvSpPr>
+          <p:cNvPr id="3" name="Content Placeholder 2"/>
+          <p:cNvSpPr>
+            <a:spLocks noGrp="1"/>
+          </p:cNvSpPr>
+          <p:nvPr>
+            <p:ph idx="1"/>
+          </p:nvPr>
+        </p:nvSpPr>
+        <p:spPr/>
+        <p:txBody>
+          <a:bodyPr/>
+          <a:lstStyle/>
+          <a:p>
+            <a:r>
+              <a:rPr lang="nb-NO" dirty="0" smtClean="0"/>
+              <a:t>Basic image filtering application </a:t>
+            </a:r>
+            <a:r>
+              <a:rPr lang="nb-NO" dirty="0"/>
+              <a:t>using the </a:t>
+            </a:r>
+            <a:r>
+              <a:rPr lang="nb-NO" dirty="0" smtClean="0"/>
+              <a:t>AppFwk</a:t>
+            </a:r>
+          </a:p>
+          <a:p>
+            <a:pPr lvl="1"/>
+            <a:endParaRPr lang="en-US" dirty="0" smtClean="0">
+              <a:hlinkClick r:id="rId2"/>
+            </a:endParaRPr>
+          </a:p>
+          <a:p>
+            <a:r>
+              <a:rPr lang="en-US" dirty="0" smtClean="0">
+                <a:hlinkClick r:id="rId2"/>
+              </a:rPr>
+              <a:t>https</a:t>
+            </a:r>
+            <a:r>
+              <a:rPr lang="en-US" dirty="0">
+                <a:hlinkClick r:id="rId2"/>
+              </a:rPr>
+              <a:t>://github.com/magnesj/DemoImageApplication</a:t>
+            </a:r>
+            <a:endParaRPr lang="en-US" dirty="0"/>
+          </a:p>
+          <a:p>
+            <a:endParaRPr lang="en-US" dirty="0"/>
+          </a:p>
+        </p:txBody>
+      </p:sp>
+    </p:spTree>
+    <p:extLst>
+      <p:ext uri="{BB962C8B-B14F-4D97-AF65-F5344CB8AC3E}">
+        <p14:creationId xmlns:p14="http://schemas.microsoft.com/office/powerpoint/2010/main" val="2306803469"/>
+      </p:ext>
+    </p:extLst>
+  </p:cSld>
+  <p:clrMapOvr>
+    <a:masterClrMapping/>
+  </p:clrMapOvr>
+  <p:transition/>
+</p:sld>
+</file>
+
 <file path=ppt/slides/slide2.xml><?xml version="1.0" encoding="utf-8"?>
 <p:sld xmlns:a="http://schemas.openxmlformats.org/drawingml/2006/main" xmlns:r="http://schemas.openxmlformats.org/officeDocument/2006/relationships" xmlns:p="http://schemas.openxmlformats.org/presentationml/2006/main">
   <p:cSld>
@@ -3815,8 +3924,20 @@
             <a:pPr lvl="1"/>
             <a:r>
               <a:rPr lang="en-US" noProof="0" dirty="0" smtClean="0"/>
-              <a:t>Streamlined response to data changes</a:t>
-            </a:r>
+              <a:t>Streamlined response to data </a:t>
+            </a:r>
+            <a:r>
+              <a:rPr lang="en-US" noProof="0" dirty="0" smtClean="0"/>
+              <a:t>changes</a:t>
+            </a:r>
+          </a:p>
+          <a:p>
+            <a:pPr lvl="1"/>
+            <a:r>
+              <a:rPr lang="nb-NO" dirty="0" smtClean="0"/>
+              <a:t>Support for multiple editors on same data</a:t>
+            </a:r>
+            <a:endParaRPr lang="en-US" noProof="0" dirty="0" smtClean="0"/>
           </a:p>
           <a:p>
             <a:r>
@@ -3922,18 +4043,30 @@
           <a:p>
             <a:r>
               <a:rPr lang="en-US" noProof="0" dirty="0" smtClean="0"/>
-              <a:t>Class members are encapsulated in </a:t>
-            </a:r>
-            <a:r>
-              <a:rPr lang="en-US" b="1" noProof="0" dirty="0" smtClean="0"/>
-              <a:t>fields (</a:t>
-            </a:r>
-            <a:r>
-              <a:rPr lang="en-US" b="1" noProof="0" dirty="0" err="1" smtClean="0"/>
+              <a:t>Class </a:t>
+            </a:r>
+            <a:r>
+              <a:rPr lang="en-US" noProof="0" dirty="0" smtClean="0"/>
+              <a:t>members of </a:t>
+            </a:r>
+            <a:r>
+              <a:rPr lang="en-US" noProof="0" dirty="0" err="1" smtClean="0"/>
+              <a:t>PdmObjects</a:t>
+            </a:r>
+            <a:r>
+              <a:rPr lang="en-US" noProof="0" dirty="0" smtClean="0"/>
+              <a:t> </a:t>
+            </a:r>
+            <a:r>
+              <a:rPr lang="en-US" noProof="0" dirty="0" smtClean="0"/>
+              <a:t>are encapsulated in fields (</a:t>
+            </a:r>
+            <a:r>
+              <a:rPr lang="en-US" noProof="0" dirty="0" err="1" smtClean="0"/>
               <a:t>PdmField</a:t>
             </a:r>
             <a:r>
-              <a:rPr lang="en-US" b="1" noProof="0" dirty="0" smtClean="0"/>
+              <a:rPr lang="en-US" noProof="0" dirty="0" smtClean="0"/>
               <a:t>)</a:t>
             </a:r>
           </a:p>
@@ -4587,7 +4720,11 @@
             </a:r>
             <a:r>
               <a:rPr lang="en-US" noProof="0" dirty="0" smtClean="0"/>
-              <a:t> tree starting at a specified root</a:t>
+              <a:t> tree starting at a specified </a:t>
+            </a:r>
+            <a:r>
+              <a:rPr lang="en-US" noProof="0" dirty="0" smtClean="0"/>
+              <a:t>root</a:t>
             </a:r>
           </a:p>
           <a:p>
@@ -4610,6 +4747,17 @@
             <a:r>
               <a:rPr lang="en-US" noProof="0" dirty="0" err="1" smtClean="0"/>
               <a:t>PdmObject</a:t>
+            </a:r>
+            <a:endParaRPr lang="en-US" noProof="0" dirty="0" smtClean="0"/>
+          </a:p>
+          <a:p>
+            <a:pPr lvl="1"/>
+            <a:endParaRPr lang="nb-NO" dirty="0"/>
+          </a:p>
+          <a:p>
+            <a:r>
+              <a:rPr lang="nb-NO" noProof="0" dirty="0" smtClean="0"/>
+              <a:t>Support for multiple editors on same data</a:t>
             </a:r>
             <a:endParaRPr lang="en-US" noProof="0" dirty="0" smtClean="0"/>
           </a:p>
@@ -4799,49 +4947,78 @@
           <a:lstStyle/>
           <a:p>
             <a:r>
-              <a:rPr lang="en-US" dirty="0">
-                <a:hlinkClick r:id="rId2"/>
-              </a:rPr>
-              <a:t>https://</a:t>
-            </a:r>
+              <a:rPr lang="nb-NO" dirty="0" smtClean="0"/>
+              <a:t>ResInsight</a:t>
+            </a:r>
+            <a:endParaRPr lang="nb-NO" dirty="0" smtClean="0"/>
+          </a:p>
+          <a:p>
+            <a:pPr lvl="1"/>
+            <a:r>
+              <a:rPr lang="nb-NO" dirty="0" smtClean="0"/>
+              <a:t>Visualization and interpretation tool for large reservoir </a:t>
+            </a:r>
+            <a:r>
+              <a:rPr lang="nb-NO" dirty="0" smtClean="0"/>
+              <a:t>models</a:t>
+            </a:r>
+          </a:p>
+          <a:p>
+            <a:pPr lvl="1"/>
+            <a:r>
+              <a:rPr lang="nb-NO" dirty="0" smtClean="0"/>
+              <a:t>GPL project for Statoil</a:t>
+            </a:r>
+          </a:p>
+          <a:p>
+            <a:pPr lvl="1"/>
             <a:r>
               <a:rPr lang="en-US" dirty="0" smtClean="0">
                 <a:hlinkClick r:id="rId2"/>
               </a:rPr>
-              <a:t>github.com/magnesj/DemoImageApplication</a:t>
+              <a:t>http</a:t>
+            </a:r>
+            <a:r>
+              <a:rPr lang="en-US" dirty="0" smtClean="0">
+                <a:hlinkClick r:id="rId2"/>
+              </a:rPr>
+              <a:t>://resinsight.org</a:t>
+            </a:r>
+            <a:r>
+              <a:rPr lang="en-US" dirty="0" smtClean="0">
+                <a:hlinkClick r:id="rId2"/>
+              </a:rPr>
+              <a:t>/</a:t>
             </a:r>
             <a:endParaRPr lang="en-US" dirty="0" smtClean="0"/>
           </a:p>
           <a:p>
-            <a:endParaRPr lang="nb-NO" dirty="0" smtClean="0">
-              <a:hlinkClick r:id="rId3"/>
-            </a:endParaRPr>
-          </a:p>
-          <a:p>
-            <a:endParaRPr lang="nb-NO" dirty="0" smtClean="0"/>
+            <a:pPr lvl="1"/>
+            <a:endParaRPr lang="nb-NO" dirty="0"/>
           </a:p>
           <a:p>
             <a:r>
               <a:rPr lang="nb-NO" dirty="0" smtClean="0"/>
-              <a:t>ResInsight</a:t>
+              <a:t>Rapid Modeller</a:t>
             </a:r>
           </a:p>
           <a:p>
             <a:pPr lvl="1"/>
             <a:r>
               <a:rPr lang="nb-NO" dirty="0" smtClean="0"/>
-              <a:t>Visualization and interpretation tool for large reservoir models</a:t>
-            </a:r>
-            <a:br>
+              <a:t>Modeller for framed structures (nodes and elements)</a:t>
+            </a:r>
+          </a:p>
+          <a:p>
+            <a:pPr lvl="1"/>
+            <a:r>
               <a:rPr lang="nb-NO" dirty="0" smtClean="0"/>
-            </a:br>
-            <a:r>
-              <a:rPr lang="en-US" dirty="0" smtClean="0">
-                <a:hlinkClick r:id="rId3"/>
-              </a:rPr>
-              <a:t>http://resinsight.org/</a:t>
-            </a:r>
-            <a:endParaRPr lang="en-US" dirty="0" smtClean="0"/>
+              <a:t>Offshore constructions, bridges, large stadium roof constructions</a:t>
+            </a:r>
+          </a:p>
+          <a:p>
+            <a:pPr lvl="1"/>
+            <a:endParaRPr lang="nb-NO" dirty="0"/>
           </a:p>
         </p:txBody>
       </p:sp>
